--- a/Workshop 1 - Intro to R.pptx
+++ b/Workshop 1 - Intro to R.pptx
@@ -9,11 +9,13 @@
     <p:sldId id="257" r:id="rId3"/>
     <p:sldId id="258" r:id="rId4"/>
     <p:sldId id="259" r:id="rId5"/>
-    <p:sldId id="260" r:id="rId6"/>
+    <p:sldId id="265" r:id="rId6"/>
     <p:sldId id="261" r:id="rId7"/>
-    <p:sldId id="262" r:id="rId8"/>
-    <p:sldId id="263" r:id="rId9"/>
-    <p:sldId id="264" r:id="rId10"/>
+    <p:sldId id="260" r:id="rId8"/>
+    <p:sldId id="266" r:id="rId9"/>
+    <p:sldId id="262" r:id="rId10"/>
+    <p:sldId id="263" r:id="rId11"/>
+    <p:sldId id="264" r:id="rId12"/>
   </p:sldIdLst>
   <p:sldSz cx="12192000" cy="6858000"/>
   <p:notesSz cx="6858000" cy="9144000"/>
@@ -112,7 +114,61 @@
       </a:defRPr>
     </a:lvl9pPr>
   </p:defaultTextStyle>
+  <p:extLst>
+    <p:ext uri="{EFAFB233-063F-42B5-8137-9DF3F51BA10A}">
+      <p15:sldGuideLst xmlns:p15="http://schemas.microsoft.com/office/powerpoint/2012/main"/>
+    </p:ext>
+  </p:extLst>
 </p:presentation>
+</file>
+
+<file path=ppt/commentAuthors.xml><?xml version="1.0" encoding="utf-8"?>
+<p:cmAuthorLst xmlns:a="http://schemas.openxmlformats.org/drawingml/2006/main" xmlns:r="http://schemas.openxmlformats.org/officeDocument/2006/relationships" xmlns:p="http://schemas.openxmlformats.org/presentationml/2006/main">
+  <p:cmAuthor id="1" name="Amanda Cole" initials="AC" lastIdx="3" clrIdx="0">
+    <p:extLst>
+      <p:ext uri="{19B8F6BF-5375-455C-9EA6-DF929625EA0E}">
+        <p15:presenceInfo xmlns:p15="http://schemas.microsoft.com/office/powerpoint/2012/main" userId="52540575a77c1c09" providerId="Windows Live"/>
+      </p:ext>
+    </p:extLst>
+  </p:cmAuthor>
+</p:cmAuthorLst>
+</file>
+
+<file path=ppt/comments/comment1.xml><?xml version="1.0" encoding="utf-8"?>
+<p:cmLst xmlns:a="http://schemas.openxmlformats.org/drawingml/2006/main" xmlns:r="http://schemas.openxmlformats.org/officeDocument/2006/relationships" xmlns:p="http://schemas.openxmlformats.org/presentationml/2006/main">
+  <p:cm authorId="1" dt="2021-08-08T17:49:05.992" idx="1">
+    <p:pos x="7680" y="0"/>
+    <p:text>simplify</p:text>
+    <p:extLst>
+      <p:ext uri="{C676402C-5697-4E1C-873F-D02D1690AC5C}">
+        <p15:threadingInfo xmlns:p15="http://schemas.microsoft.com/office/powerpoint/2012/main" timeZoneBias="-600"/>
+      </p:ext>
+    </p:extLst>
+  </p:cm>
+  <p:cm authorId="1" dt="2021-08-08T17:49:33.772" idx="2">
+    <p:pos x="10" y="10"/>
+    <p:text>pictures not text</p:text>
+    <p:extLst>
+      <p:ext uri="{C676402C-5697-4E1C-873F-D02D1690AC5C}">
+        <p15:threadingInfo xmlns:p15="http://schemas.microsoft.com/office/powerpoint/2012/main" timeZoneBias="-600"/>
+      </p:ext>
+    </p:extLst>
+  </p:cm>
+</p:cmLst>
+</file>
+
+<file path=ppt/comments/comment2.xml><?xml version="1.0" encoding="utf-8"?>
+<p:cmLst xmlns:a="http://schemas.openxmlformats.org/drawingml/2006/main" xmlns:r="http://schemas.openxmlformats.org/officeDocument/2006/relationships" xmlns:p="http://schemas.openxmlformats.org/presentationml/2006/main">
+  <p:cm authorId="1" dt="2021-08-08T17:53:34.849" idx="3">
+    <p:pos x="3475" y="3274"/>
+    <p:text>simplify</p:text>
+    <p:extLst>
+      <p:ext uri="{C676402C-5697-4E1C-873F-D02D1690AC5C}">
+        <p15:threadingInfo xmlns:p15="http://schemas.microsoft.com/office/powerpoint/2012/main" timeZoneBias="-600"/>
+      </p:ext>
+    </p:extLst>
+  </p:cm>
+</p:cmLst>
 </file>
 
 <file path=ppt/slideLayouts/slideLayout1.xml><?xml version="1.0" encoding="utf-8"?>
@@ -264,7 +320,7 @@
           <a:p>
             <a:fld id="{200D889B-0878-4301-8245-396ADC8FFF40}" type="datetimeFigureOut">
               <a:rPr lang="en-AU" smtClean="0"/>
-              <a:t>29/07/2021</a:t>
+              <a:t>8/08/2021</a:t>
             </a:fld>
             <a:endParaRPr lang="en-AU"/>
           </a:p>
@@ -464,7 +520,7 @@
           <a:p>
             <a:fld id="{200D889B-0878-4301-8245-396ADC8FFF40}" type="datetimeFigureOut">
               <a:rPr lang="en-AU" smtClean="0"/>
-              <a:t>29/07/2021</a:t>
+              <a:t>8/08/2021</a:t>
             </a:fld>
             <a:endParaRPr lang="en-AU"/>
           </a:p>
@@ -674,7 +730,7 @@
           <a:p>
             <a:fld id="{200D889B-0878-4301-8245-396ADC8FFF40}" type="datetimeFigureOut">
               <a:rPr lang="en-AU" smtClean="0"/>
-              <a:t>29/07/2021</a:t>
+              <a:t>8/08/2021</a:t>
             </a:fld>
             <a:endParaRPr lang="en-AU"/>
           </a:p>
@@ -874,7 +930,7 @@
           <a:p>
             <a:fld id="{200D889B-0878-4301-8245-396ADC8FFF40}" type="datetimeFigureOut">
               <a:rPr lang="en-AU" smtClean="0"/>
-              <a:t>29/07/2021</a:t>
+              <a:t>8/08/2021</a:t>
             </a:fld>
             <a:endParaRPr lang="en-AU"/>
           </a:p>
@@ -1150,7 +1206,7 @@
           <a:p>
             <a:fld id="{200D889B-0878-4301-8245-396ADC8FFF40}" type="datetimeFigureOut">
               <a:rPr lang="en-AU" smtClean="0"/>
-              <a:t>29/07/2021</a:t>
+              <a:t>8/08/2021</a:t>
             </a:fld>
             <a:endParaRPr lang="en-AU"/>
           </a:p>
@@ -1418,7 +1474,7 @@
           <a:p>
             <a:fld id="{200D889B-0878-4301-8245-396ADC8FFF40}" type="datetimeFigureOut">
               <a:rPr lang="en-AU" smtClean="0"/>
-              <a:t>29/07/2021</a:t>
+              <a:t>8/08/2021</a:t>
             </a:fld>
             <a:endParaRPr lang="en-AU"/>
           </a:p>
@@ -1833,7 +1889,7 @@
           <a:p>
             <a:fld id="{200D889B-0878-4301-8245-396ADC8FFF40}" type="datetimeFigureOut">
               <a:rPr lang="en-AU" smtClean="0"/>
-              <a:t>29/07/2021</a:t>
+              <a:t>8/08/2021</a:t>
             </a:fld>
             <a:endParaRPr lang="en-AU"/>
           </a:p>
@@ -1975,7 +2031,7 @@
           <a:p>
             <a:fld id="{200D889B-0878-4301-8245-396ADC8FFF40}" type="datetimeFigureOut">
               <a:rPr lang="en-AU" smtClean="0"/>
-              <a:t>29/07/2021</a:t>
+              <a:t>8/08/2021</a:t>
             </a:fld>
             <a:endParaRPr lang="en-AU"/>
           </a:p>
@@ -2088,7 +2144,7 @@
           <a:p>
             <a:fld id="{200D889B-0878-4301-8245-396ADC8FFF40}" type="datetimeFigureOut">
               <a:rPr lang="en-AU" smtClean="0"/>
-              <a:t>29/07/2021</a:t>
+              <a:t>8/08/2021</a:t>
             </a:fld>
             <a:endParaRPr lang="en-AU"/>
           </a:p>
@@ -2401,7 +2457,7 @@
           <a:p>
             <a:fld id="{200D889B-0878-4301-8245-396ADC8FFF40}" type="datetimeFigureOut">
               <a:rPr lang="en-AU" smtClean="0"/>
-              <a:t>29/07/2021</a:t>
+              <a:t>8/08/2021</a:t>
             </a:fld>
             <a:endParaRPr lang="en-AU"/>
           </a:p>
@@ -2690,7 +2746,7 @@
           <a:p>
             <a:fld id="{200D889B-0878-4301-8245-396ADC8FFF40}" type="datetimeFigureOut">
               <a:rPr lang="en-AU" smtClean="0"/>
-              <a:t>29/07/2021</a:t>
+              <a:t>8/08/2021</a:t>
             </a:fld>
             <a:endParaRPr lang="en-AU"/>
           </a:p>
@@ -2933,7 +2989,7 @@
           <a:p>
             <a:fld id="{200D889B-0878-4301-8245-396ADC8FFF40}" type="datetimeFigureOut">
               <a:rPr lang="en-AU" smtClean="0"/>
-              <a:t>29/07/2021</a:t>
+              <a:t>8/08/2021</a:t>
             </a:fld>
             <a:endParaRPr lang="en-AU"/>
           </a:p>
@@ -3831,6 +3887,196 @@
 </p:sld>
 </file>
 
+<file path=ppt/slides/slide10.xml><?xml version="1.0" encoding="utf-8"?>
+<p:sld xmlns:a="http://schemas.openxmlformats.org/drawingml/2006/main" xmlns:r="http://schemas.openxmlformats.org/officeDocument/2006/relationships" xmlns:p="http://schemas.openxmlformats.org/presentationml/2006/main">
+  <p:cSld>
+    <p:spTree>
+      <p:nvGrpSpPr>
+        <p:cNvPr id="1" name=""/>
+        <p:cNvGrpSpPr/>
+        <p:nvPr/>
+      </p:nvGrpSpPr>
+      <p:grpSpPr>
+        <a:xfrm>
+          <a:off x="0" y="0"/>
+          <a:ext cx="0" cy="0"/>
+          <a:chOff x="0" y="0"/>
+          <a:chExt cx="0" cy="0"/>
+        </a:xfrm>
+      </p:grpSpPr>
+      <p:sp>
+        <p:nvSpPr>
+          <p:cNvPr id="2" name="Title 1">
+            <a:extLst>
+              <a:ext uri="{FF2B5EF4-FFF2-40B4-BE49-F238E27FC236}">
+                <a16:creationId xmlns:a16="http://schemas.microsoft.com/office/drawing/2014/main" id="{D5467A61-36B1-46F9-A231-636B2EE7FCC9}"/>
+              </a:ext>
+            </a:extLst>
+          </p:cNvPr>
+          <p:cNvSpPr>
+            <a:spLocks noGrp="1"/>
+          </p:cNvSpPr>
+          <p:nvPr>
+            <p:ph type="title"/>
+          </p:nvPr>
+        </p:nvSpPr>
+        <p:spPr/>
+        <p:txBody>
+          <a:bodyPr/>
+          <a:lstStyle/>
+          <a:p>
+            <a:r>
+              <a:rPr lang="en-AU" dirty="0"/>
+              <a:t>DATA WRANGLING</a:t>
+            </a:r>
+          </a:p>
+        </p:txBody>
+      </p:sp>
+      <p:sp>
+        <p:nvSpPr>
+          <p:cNvPr id="3" name="Content Placeholder 2">
+            <a:extLst>
+              <a:ext uri="{FF2B5EF4-FFF2-40B4-BE49-F238E27FC236}">
+                <a16:creationId xmlns:a16="http://schemas.microsoft.com/office/drawing/2014/main" id="{2561F87D-631B-475A-9CC7-C838C826BC5B}"/>
+              </a:ext>
+            </a:extLst>
+          </p:cNvPr>
+          <p:cNvSpPr>
+            <a:spLocks noGrp="1"/>
+          </p:cNvSpPr>
+          <p:nvPr>
+            <p:ph idx="1"/>
+          </p:nvPr>
+        </p:nvSpPr>
+        <p:spPr/>
+        <p:txBody>
+          <a:bodyPr/>
+          <a:lstStyle/>
+          <a:p>
+            <a:r>
+              <a:rPr lang="en-AU" dirty="0"/>
+              <a:t>A process where raw data is made tidy to used and process further.</a:t>
+            </a:r>
+          </a:p>
+          <a:p>
+            <a:r>
+              <a:rPr lang="en-AU" dirty="0"/>
+              <a:t>R provides many libraries to do so.</a:t>
+            </a:r>
+          </a:p>
+          <a:p>
+            <a:r>
+              <a:rPr lang="en-AU" dirty="0"/>
+              <a:t>Some libraries are – ggplot2, Tidyverse etc.</a:t>
+            </a:r>
+          </a:p>
+        </p:txBody>
+      </p:sp>
+    </p:spTree>
+    <p:extLst>
+      <p:ext uri="{BB962C8B-B14F-4D97-AF65-F5344CB8AC3E}">
+        <p14:creationId xmlns:p14="http://schemas.microsoft.com/office/powerpoint/2010/main" val="429258865"/>
+      </p:ext>
+    </p:extLst>
+  </p:cSld>
+  <p:clrMapOvr>
+    <a:masterClrMapping/>
+  </p:clrMapOvr>
+</p:sld>
+</file>
+
+<file path=ppt/slides/slide11.xml><?xml version="1.0" encoding="utf-8"?>
+<p:sld xmlns:a="http://schemas.openxmlformats.org/drawingml/2006/main" xmlns:r="http://schemas.openxmlformats.org/officeDocument/2006/relationships" xmlns:p="http://schemas.openxmlformats.org/presentationml/2006/main">
+  <p:cSld>
+    <p:spTree>
+      <p:nvGrpSpPr>
+        <p:cNvPr id="1" name=""/>
+        <p:cNvGrpSpPr/>
+        <p:nvPr/>
+      </p:nvGrpSpPr>
+      <p:grpSpPr>
+        <a:xfrm>
+          <a:off x="0" y="0"/>
+          <a:ext cx="0" cy="0"/>
+          <a:chOff x="0" y="0"/>
+          <a:chExt cx="0" cy="0"/>
+        </a:xfrm>
+      </p:grpSpPr>
+      <p:sp>
+        <p:nvSpPr>
+          <p:cNvPr id="2" name="Title 1">
+            <a:extLst>
+              <a:ext uri="{FF2B5EF4-FFF2-40B4-BE49-F238E27FC236}">
+                <a16:creationId xmlns:a16="http://schemas.microsoft.com/office/drawing/2014/main" id="{041AABD7-84D2-4BB0-9732-5019991104BA}"/>
+              </a:ext>
+            </a:extLst>
+          </p:cNvPr>
+          <p:cNvSpPr>
+            <a:spLocks noGrp="1"/>
+          </p:cNvSpPr>
+          <p:nvPr>
+            <p:ph type="title"/>
+          </p:nvPr>
+        </p:nvSpPr>
+        <p:spPr/>
+        <p:txBody>
+          <a:bodyPr/>
+          <a:lstStyle/>
+          <a:p>
+            <a:r>
+              <a:rPr lang="en-AU" dirty="0"/>
+              <a:t>DATA WRANGLING LIBRARIES </a:t>
+            </a:r>
+          </a:p>
+        </p:txBody>
+      </p:sp>
+      <p:sp>
+        <p:nvSpPr>
+          <p:cNvPr id="3" name="Content Placeholder 2">
+            <a:extLst>
+              <a:ext uri="{FF2B5EF4-FFF2-40B4-BE49-F238E27FC236}">
+                <a16:creationId xmlns:a16="http://schemas.microsoft.com/office/drawing/2014/main" id="{CA4BAF51-92B0-4A15-B47D-55D5CCD3C7A5}"/>
+              </a:ext>
+            </a:extLst>
+          </p:cNvPr>
+          <p:cNvSpPr>
+            <a:spLocks noGrp="1"/>
+          </p:cNvSpPr>
+          <p:nvPr>
+            <p:ph idx="1"/>
+          </p:nvPr>
+        </p:nvSpPr>
+        <p:spPr/>
+        <p:txBody>
+          <a:bodyPr/>
+          <a:lstStyle/>
+          <a:p>
+            <a:r>
+              <a:rPr lang="en-AU" dirty="0"/>
+              <a:t>Ggplot2 – It enables user to tidy the data, plot graphs and charts and present to audience.</a:t>
+            </a:r>
+          </a:p>
+          <a:p>
+            <a:r>
+              <a:rPr lang="en-AU" dirty="0"/>
+              <a:t>Tidyverse – It is the vast library in R that ensures all the requirements of data wrangling, analysis.</a:t>
+            </a:r>
+          </a:p>
+        </p:txBody>
+      </p:sp>
+    </p:spTree>
+    <p:extLst>
+      <p:ext uri="{BB962C8B-B14F-4D97-AF65-F5344CB8AC3E}">
+        <p14:creationId xmlns:p14="http://schemas.microsoft.com/office/powerpoint/2010/main" val="3720138436"/>
+      </p:ext>
+    </p:extLst>
+  </p:cSld>
+  <p:clrMapOvr>
+    <a:masterClrMapping/>
+  </p:clrMapOvr>
+</p:sld>
+</file>
+
 <file path=ppt/slides/slide2.xml><?xml version="1.0" encoding="utf-8"?>
 <p:sld xmlns:a="http://schemas.openxmlformats.org/drawingml/2006/main" xmlns:r="http://schemas.openxmlformats.org/officeDocument/2006/relationships" xmlns:p="http://schemas.openxmlformats.org/presentationml/2006/main">
   <p:cSld>
@@ -6252,47 +6498,12 @@
           <a:chExt cx="0" cy="0"/>
         </a:xfrm>
       </p:grpSpPr>
-      <p:pic>
-        <p:nvPicPr>
-          <p:cNvPr id="5" name="Picture 4" descr="Calendar on table">
-            <a:extLst>
-              <a:ext uri="{FF2B5EF4-FFF2-40B4-BE49-F238E27FC236}">
-                <a16:creationId xmlns:a16="http://schemas.microsoft.com/office/drawing/2014/main" id="{80AF7082-AFA9-4D90-9451-0FEE669DDFB0}"/>
-              </a:ext>
-            </a:extLst>
-          </p:cNvPr>
-          <p:cNvPicPr>
-            <a:picLocks noChangeAspect="1"/>
-          </p:cNvPicPr>
-          <p:nvPr/>
-        </p:nvPicPr>
-        <p:blipFill rotWithShape="1">
-          <a:blip r:embed="rId2">
-            <a:duotone>
-              <a:prstClr val="black"/>
-              <a:prstClr val="white"/>
-            </a:duotone>
-            <a:alphaModFix amt="35000"/>
-          </a:blip>
-          <a:srcRect b="15730"/>
-          <a:stretch/>
-        </p:blipFill>
-        <p:spPr>
-          <a:xfrm>
-            <a:off x="20" y="1"/>
-            <a:ext cx="12191980" cy="6857999"/>
-          </a:xfrm>
-          <a:prstGeom prst="rect">
-            <a:avLst/>
-          </a:prstGeom>
-        </p:spPr>
-      </p:pic>
-      <p:sp>
-        <p:nvSpPr>
-          <p:cNvPr id="16" name="Rectangle 15">
-            <a:extLst>
-              <a:ext uri="{FF2B5EF4-FFF2-40B4-BE49-F238E27FC236}">
-                <a16:creationId xmlns:a16="http://schemas.microsoft.com/office/drawing/2014/main" id="{FCEC2294-5A7B-45E5-9251-C1AA89F4ADCF}"/>
+      <p:sp useBgFill="1">
+        <p:nvSpPr>
+          <p:cNvPr id="8" name="Rectangle 7">
+            <a:extLst>
+              <a:ext uri="{FF2B5EF4-FFF2-40B4-BE49-F238E27FC236}">
+                <a16:creationId xmlns:a16="http://schemas.microsoft.com/office/drawing/2014/main" id="{907EF6B7-1338-4443-8C46-6A318D952DFD}"/>
               </a:ext>
               <a:ext uri="{C183D7F6-B498-43B3-948B-1728B52AA6E4}">
                 <adec:decorative xmlns:adec="http://schemas.microsoft.com/office/drawing/2017/decorative" val="1"/>
@@ -6310,20 +6521,15 @@
             </p:extLst>
           </p:nvPr>
         </p:nvSpPr>
-        <p:spPr bwMode="ltGray">
+        <p:spPr>
           <a:xfrm>
-            <a:off x="321564" y="320040"/>
-            <a:ext cx="11548872" cy="6217920"/>
+            <a:off x="3048" y="0"/>
+            <a:ext cx="12188952" cy="6858000"/>
           </a:xfrm>
           <a:prstGeom prst="rect">
             <a:avLst/>
           </a:prstGeom>
-          <a:solidFill>
-            <a:schemeClr val="bg2">
-              <a:alpha val="60000"/>
-            </a:schemeClr>
-          </a:solidFill>
-          <a:ln w="127000" cap="sq" cmpd="thinThick">
+          <a:ln>
             <a:noFill/>
           </a:ln>
         </p:spPr>
@@ -6347,91 +6553,26 @@
           <a:bodyPr rtlCol="0" anchor="ctr"/>
           <a:lstStyle/>
           <a:p>
-            <a:pPr marL="0" marR="0" lvl="0" indent="0" algn="ctr" defTabSz="914400" rtl="0" eaLnBrk="1" fontAlgn="auto" latinLnBrk="0" hangingPunct="1">
-              <a:lnSpc>
-                <a:spcPct val="100000"/>
-              </a:lnSpc>
-              <a:spcBef>
-                <a:spcPts val="0"/>
-              </a:spcBef>
-              <a:spcAft>
-                <a:spcPts val="0"/>
-              </a:spcAft>
-              <a:buClrTx/>
-              <a:buSzTx/>
-              <a:buFontTx/>
-              <a:buNone/>
-              <a:tabLst/>
-              <a:defRPr/>
-            </a:pPr>
-            <a:endParaRPr kumimoji="0" lang="en-US" sz="1800" b="0" i="0" u="none" strike="noStrike" kern="1200" cap="none" spc="0" normalizeH="0" baseline="0" noProof="0">
-              <a:ln>
-                <a:noFill/>
-              </a:ln>
-              <a:solidFill>
-                <a:prstClr val="white"/>
-              </a:solidFill>
-              <a:effectLst/>
-              <a:uLnTx/>
-              <a:uFillTx/>
-              <a:latin typeface="Calibri" panose="020F0502020204030204"/>
-              <a:ea typeface="+mn-ea"/>
-              <a:cs typeface="+mn-cs"/>
-            </a:endParaRPr>
-          </a:p>
-        </p:txBody>
-      </p:sp>
-      <p:sp>
-        <p:nvSpPr>
-          <p:cNvPr id="2" name="Title 1">
-            <a:extLst>
-              <a:ext uri="{FF2B5EF4-FFF2-40B4-BE49-F238E27FC236}">
-                <a16:creationId xmlns:a16="http://schemas.microsoft.com/office/drawing/2014/main" id="{A0E41C33-2C2F-44DF-B694-88C4354C4785}"/>
-              </a:ext>
-            </a:extLst>
-          </p:cNvPr>
-          <p:cNvSpPr>
-            <a:spLocks noGrp="1"/>
-          </p:cNvSpPr>
-          <p:nvPr>
-            <p:ph type="title"/>
-          </p:nvPr>
-        </p:nvSpPr>
-        <p:spPr>
-          <a:xfrm>
-            <a:off x="838201" y="1065862"/>
-            <a:ext cx="3313164" cy="4726276"/>
-          </a:xfrm>
-        </p:spPr>
-        <p:txBody>
-          <a:bodyPr>
-            <a:normAutofit/>
-          </a:bodyPr>
-          <a:lstStyle/>
-          <a:p>
-            <a:pPr algn="r"/>
-            <a:r>
-              <a:rPr lang="en-AU" sz="4000"/>
-              <a:t>CREATE NEW PROJECT DIRECTORY</a:t>
-            </a:r>
-          </a:p>
-        </p:txBody>
-      </p:sp>
-      <p:cxnSp>
-        <p:nvCxnSpPr>
-          <p:cNvPr id="18" name="Straight Connector 17">
-            <a:extLst>
-              <a:ext uri="{FF2B5EF4-FFF2-40B4-BE49-F238E27FC236}">
-                <a16:creationId xmlns:a16="http://schemas.microsoft.com/office/drawing/2014/main" id="{67182200-4859-4C8D-BCBB-55B245C28BA3}"/>
+            <a:pPr algn="ctr"/>
+            <a:endParaRPr lang="en-US"/>
+          </a:p>
+        </p:txBody>
+      </p:sp>
+      <p:sp>
+        <p:nvSpPr>
+          <p:cNvPr id="10" name="Freeform: Shape 9">
+            <a:extLst>
+              <a:ext uri="{FF2B5EF4-FFF2-40B4-BE49-F238E27FC236}">
+                <a16:creationId xmlns:a16="http://schemas.microsoft.com/office/drawing/2014/main" id="{DAAE4CDD-124C-4DCF-9584-B6033B545DD5}"/>
               </a:ext>
               <a:ext uri="{C183D7F6-B498-43B3-948B-1728B52AA6E4}">
                 <adec:decorative xmlns:adec="http://schemas.microsoft.com/office/drawing/2017/decorative" val="1"/>
               </a:ext>
             </a:extLst>
           </p:cNvPr>
-          <p:cNvCxnSpPr>
-            <a:cxnSpLocks noGrp="1" noRot="1" noChangeAspect="1" noMove="1" noResize="1" noEditPoints="1" noAdjustHandles="1" noChangeArrowheads="1" noChangeShapeType="1"/>
-          </p:cNvCxnSpPr>
+          <p:cNvSpPr>
+            <a:spLocks noGrp="1" noRot="1" noChangeAspect="1" noMove="1" noResize="1" noEditPoints="1" noAdjustHandles="1" noChangeArrowheads="1" noChangeShapeType="1" noTextEdit="1"/>
+          </p:cNvSpPr>
           <p:nvPr>
             <p:extLst>
               <p:ext uri="{386F3935-93C4-4BCD-93E2-E3B085C9AB24}">
@@ -6439,22 +6580,198 @@
               </p:ext>
             </p:extLst>
           </p:nvPr>
-        </p:nvCxnSpPr>
+        </p:nvSpPr>
         <p:spPr>
           <a:xfrm>
-            <a:off x="4653372" y="2286000"/>
-            <a:ext cx="0" cy="2286000"/>
+            <a:off x="1" y="0"/>
+            <a:ext cx="4167271" cy="6858000"/>
           </a:xfrm>
-          <a:prstGeom prst="line">
+          <a:custGeom>
+            <a:avLst/>
+            <a:gdLst>
+              <a:gd name="connsiteX0" fmla="*/ 0 w 4167271"/>
+              <a:gd name="connsiteY0" fmla="*/ 0 h 6858000"/>
+              <a:gd name="connsiteX1" fmla="*/ 2259550 w 4167271"/>
+              <a:gd name="connsiteY1" fmla="*/ 0 h 6858000"/>
+              <a:gd name="connsiteX2" fmla="*/ 2387803 w 4167271"/>
+              <a:gd name="connsiteY2" fmla="*/ 82222 h 6858000"/>
+              <a:gd name="connsiteX3" fmla="*/ 4167271 w 4167271"/>
+              <a:gd name="connsiteY3" fmla="*/ 3429000 h 6858000"/>
+              <a:gd name="connsiteX4" fmla="*/ 2387803 w 4167271"/>
+              <a:gd name="connsiteY4" fmla="*/ 6775779 h 6858000"/>
+              <a:gd name="connsiteX5" fmla="*/ 2259550 w 4167271"/>
+              <a:gd name="connsiteY5" fmla="*/ 6858000 h 6858000"/>
+              <a:gd name="connsiteX6" fmla="*/ 0 w 4167271"/>
+              <a:gd name="connsiteY6" fmla="*/ 6858000 h 6858000"/>
+            </a:gdLst>
+            <a:ahLst/>
+            <a:cxnLst>
+              <a:cxn ang="0">
+                <a:pos x="connsiteX0" y="connsiteY0"/>
+              </a:cxn>
+              <a:cxn ang="0">
+                <a:pos x="connsiteX1" y="connsiteY1"/>
+              </a:cxn>
+              <a:cxn ang="0">
+                <a:pos x="connsiteX2" y="connsiteY2"/>
+              </a:cxn>
+              <a:cxn ang="0">
+                <a:pos x="connsiteX3" y="connsiteY3"/>
+              </a:cxn>
+              <a:cxn ang="0">
+                <a:pos x="connsiteX4" y="connsiteY4"/>
+              </a:cxn>
+              <a:cxn ang="0">
+                <a:pos x="connsiteX5" y="connsiteY5"/>
+              </a:cxn>
+              <a:cxn ang="0">
+                <a:pos x="connsiteX6" y="connsiteY6"/>
+              </a:cxn>
+            </a:cxnLst>
+            <a:rect l="l" t="t" r="r" b="b"/>
+            <a:pathLst>
+              <a:path w="4167271" h="6858000">
+                <a:moveTo>
+                  <a:pt x="0" y="0"/>
+                </a:moveTo>
+                <a:lnTo>
+                  <a:pt x="2259550" y="0"/>
+                </a:lnTo>
+                <a:lnTo>
+                  <a:pt x="2387803" y="82222"/>
+                </a:lnTo>
+                <a:cubicBezTo>
+                  <a:pt x="3461407" y="807534"/>
+                  <a:pt x="4167271" y="2035835"/>
+                  <a:pt x="4167271" y="3429000"/>
+                </a:cubicBezTo>
+                <a:cubicBezTo>
+                  <a:pt x="4167271" y="4822165"/>
+                  <a:pt x="3461407" y="6050467"/>
+                  <a:pt x="2387803" y="6775779"/>
+                </a:cubicBezTo>
+                <a:lnTo>
+                  <a:pt x="2259550" y="6858000"/>
+                </a:lnTo>
+                <a:lnTo>
+                  <a:pt x="0" y="6858000"/>
+                </a:lnTo>
+                <a:close/>
+              </a:path>
+            </a:pathLst>
+          </a:custGeom>
+          <a:solidFill>
+            <a:schemeClr val="accent2"/>
+          </a:solidFill>
+          <a:ln>
+            <a:noFill/>
+          </a:ln>
+        </p:spPr>
+        <p:style>
+          <a:lnRef idx="2">
+            <a:schemeClr val="accent1">
+              <a:shade val="50000"/>
+            </a:schemeClr>
+          </a:lnRef>
+          <a:fillRef idx="1">
+            <a:schemeClr val="accent1"/>
+          </a:fillRef>
+          <a:effectRef idx="0">
+            <a:schemeClr val="accent1"/>
+          </a:effectRef>
+          <a:fontRef idx="minor">
+            <a:schemeClr val="lt1"/>
+          </a:fontRef>
+        </p:style>
+        <p:txBody>
+          <a:bodyPr rtlCol="0" anchor="ctr"/>
+          <a:lstStyle/>
+          <a:p>
+            <a:pPr algn="ctr"/>
+            <a:endParaRPr lang="en-US"/>
+          </a:p>
+        </p:txBody>
+      </p:sp>
+      <p:sp>
+        <p:nvSpPr>
+          <p:cNvPr id="2" name="Title 1">
+            <a:extLst>
+              <a:ext uri="{FF2B5EF4-FFF2-40B4-BE49-F238E27FC236}">
+                <a16:creationId xmlns:a16="http://schemas.microsoft.com/office/drawing/2014/main" id="{D1BFB4D3-BA33-4B78-AE57-F69051C8AC8F}"/>
+              </a:ext>
+            </a:extLst>
+          </p:cNvPr>
+          <p:cNvSpPr>
+            <a:spLocks noGrp="1"/>
+          </p:cNvSpPr>
+          <p:nvPr>
+            <p:ph type="title"/>
+          </p:nvPr>
+        </p:nvSpPr>
+        <p:spPr>
+          <a:xfrm>
+            <a:off x="686834" y="1153572"/>
+            <a:ext cx="3200400" cy="4461163"/>
+          </a:xfrm>
+        </p:spPr>
+        <p:txBody>
+          <a:bodyPr>
+            <a:normAutofit/>
+          </a:bodyPr>
+          <a:lstStyle/>
+          <a:p>
+            <a:r>
+              <a:rPr lang="en-AU" dirty="0" err="1">
+                <a:solidFill>
+                  <a:srgbClr val="FFFFFF"/>
+                </a:solidFill>
+              </a:rPr>
+              <a:t>Rcloud</a:t>
+            </a:r>
+            <a:endParaRPr lang="en-AU" dirty="0">
+              <a:solidFill>
+                <a:srgbClr val="FFFFFF"/>
+              </a:solidFill>
+            </a:endParaRPr>
+          </a:p>
+        </p:txBody>
+      </p:sp>
+      <p:sp>
+        <p:nvSpPr>
+          <p:cNvPr id="12" name="Arc 11">
+            <a:extLst>
+              <a:ext uri="{FF2B5EF4-FFF2-40B4-BE49-F238E27FC236}">
+                <a16:creationId xmlns:a16="http://schemas.microsoft.com/office/drawing/2014/main" id="{081E4A58-353D-44AE-B2FC-2A74E2E400F7}"/>
+              </a:ext>
+              <a:ext uri="{C183D7F6-B498-43B3-948B-1728B52AA6E4}">
+                <adec:decorative xmlns:adec="http://schemas.microsoft.com/office/drawing/2017/decorative" val="1"/>
+              </a:ext>
+            </a:extLst>
+          </p:cNvPr>
+          <p:cNvSpPr>
+            <a:spLocks noGrp="1" noRot="1" noChangeAspect="1" noMove="1" noResize="1" noEditPoints="1" noAdjustHandles="1" noChangeArrowheads="1" noChangeShapeType="1" noTextEdit="1"/>
+          </p:cNvSpPr>
+          <p:nvPr>
+            <p:extLst>
+              <p:ext uri="{386F3935-93C4-4BCD-93E2-E3B085C9AB24}">
+                <p16:designElem xmlns:p16="http://schemas.microsoft.com/office/powerpoint/2015/main" val="1"/>
+              </p:ext>
+            </p:extLst>
+          </p:nvPr>
+        </p:nvSpPr>
+        <p:spPr>
+          <a:xfrm flipV="1">
+            <a:off x="7550402" y="2455479"/>
+            <a:ext cx="4083433" cy="4083433"/>
+          </a:xfrm>
+          <a:prstGeom prst="arc">
             <a:avLst/>
           </a:prstGeom>
-          <a:ln w="19050">
+          <a:ln w="127000" cap="rnd">
             <a:solidFill>
-              <a:schemeClr val="tx1">
-                <a:lumMod val="85000"/>
-                <a:lumOff val="15000"/>
-              </a:schemeClr>
+              <a:schemeClr val="accent4"/>
             </a:solidFill>
+            <a:prstDash val="dash"/>
           </a:ln>
         </p:spPr>
         <p:style>
@@ -6471,13 +6788,21 @@
             <a:schemeClr val="tx1"/>
           </a:fontRef>
         </p:style>
-      </p:cxnSp>
+        <p:txBody>
+          <a:bodyPr rtlCol="0" anchor="ctr"/>
+          <a:lstStyle/>
+          <a:p>
+            <a:pPr algn="ctr"/>
+            <a:endParaRPr lang="en-US" dirty="0"/>
+          </a:p>
+        </p:txBody>
+      </p:sp>
       <p:sp>
         <p:nvSpPr>
           <p:cNvPr id="3" name="Content Placeholder 2">
             <a:extLst>
               <a:ext uri="{FF2B5EF4-FFF2-40B4-BE49-F238E27FC236}">
-                <a16:creationId xmlns:a16="http://schemas.microsoft.com/office/drawing/2014/main" id="{44FABB31-CEB4-48C8-BFD8-728FB7A4C78D}"/>
+                <a16:creationId xmlns:a16="http://schemas.microsoft.com/office/drawing/2014/main" id="{9C53B9B2-FE16-4496-9C42-8E2ED2626356}"/>
               </a:ext>
             </a:extLst>
           </p:cNvPr>
@@ -6490,8 +6815,8 @@
         </p:nvSpPr>
         <p:spPr>
           <a:xfrm>
-            <a:off x="5155379" y="1065862"/>
-            <a:ext cx="6192319" cy="4726276"/>
+            <a:off x="4447308" y="591344"/>
+            <a:ext cx="6906491" cy="5585619"/>
           </a:xfrm>
         </p:spPr>
         <p:txBody>
@@ -6501,61 +6826,108 @@
           <a:lstStyle/>
           <a:p>
             <a:r>
-              <a:rPr lang="en-AU" sz="1900"/>
-              <a:t>Open RStudio.</a:t>
-            </a:r>
-          </a:p>
-          <a:p>
-            <a:r>
-              <a:rPr lang="en-US" sz="1900"/>
-              <a:t>Go to the File menu and select New Project.</a:t>
-            </a:r>
-          </a:p>
-          <a:p>
-            <a:r>
-              <a:rPr lang="en-US" sz="1900"/>
-              <a:t>In the New Project window, choose New Directory. Then, choose New Project. Name your new directory Intro-to-R and then “Create the project as subdirectory of:” the Desktop (or location of your choice).</a:t>
-            </a:r>
-          </a:p>
-          <a:p>
-            <a:r>
-              <a:rPr lang="en-US" sz="1900"/>
-              <a:t>Click on Create Project.</a:t>
-            </a:r>
-          </a:p>
-          <a:p>
-            <a:r>
-              <a:rPr lang="en-US" sz="1900"/>
-              <a:t>After your project is completed, if the project does not automatically open in RStudio, then go to the File menu, select Open Project, and choose Intro-to-R.R proj.</a:t>
-            </a:r>
-          </a:p>
-          <a:p>
-            <a:r>
-              <a:rPr lang="en-US" sz="1900"/>
-              <a:t>When RStudio opens, you will see three panels in the window.</a:t>
-            </a:r>
-          </a:p>
-          <a:p>
-            <a:r>
-              <a:rPr lang="en-US" sz="1900"/>
-              <a:t>Go to the File menu and select New File, and select R Script.</a:t>
-            </a:r>
-            <a:endParaRPr lang="en-AU" sz="1900"/>
-          </a:p>
-          <a:p>
-            <a:endParaRPr lang="en-AU" sz="1900"/>
+              <a:rPr lang="en-AU" dirty="0">
+                <a:highlight>
+                  <a:srgbClr val="FFFF00"/>
+                </a:highlight>
+              </a:rPr>
+              <a:t>It is free available open source Integrated Development Environment (IDE). </a:t>
+            </a:r>
+          </a:p>
+          <a:p>
+            <a:r>
+              <a:rPr lang="en-AU" dirty="0">
+                <a:highlight>
+                  <a:srgbClr val="FFFF00"/>
+                </a:highlight>
+              </a:rPr>
+              <a:t>Provides a platform to work in R easily.</a:t>
+            </a:r>
+          </a:p>
+          <a:p>
+            <a:r>
+              <a:rPr lang="en-AU" dirty="0">
+                <a:highlight>
+                  <a:srgbClr val="FFFF00"/>
+                </a:highlight>
+              </a:rPr>
+              <a:t>Provides effective graphical user interface.</a:t>
+            </a:r>
+          </a:p>
+          <a:p>
+            <a:r>
+              <a:rPr lang="en-AU" dirty="0">
+                <a:highlight>
+                  <a:srgbClr val="FFFF00"/>
+                </a:highlight>
+              </a:rPr>
+              <a:t>Installation link to R and RStudio:</a:t>
+            </a:r>
+          </a:p>
+          <a:p>
+            <a:pPr marL="0" indent="0">
+              <a:buNone/>
+            </a:pPr>
+            <a:r>
+              <a:rPr lang="en-AU" dirty="0">
+                <a:highlight>
+                  <a:srgbClr val="FFFF00"/>
+                </a:highlight>
+                <a:hlinkClick r:id="rId2"/>
+              </a:rPr>
+              <a:t>https://www.rstudio.com/products/rstudio/download/</a:t>
+            </a:r>
+            <a:endParaRPr lang="en-AU" dirty="0">
+              <a:highlight>
+                <a:srgbClr val="FFFF00"/>
+              </a:highlight>
+            </a:endParaRPr>
+          </a:p>
+          <a:p>
+            <a:pPr marL="0" indent="0">
+              <a:buNone/>
+            </a:pPr>
+            <a:r>
+              <a:rPr lang="en-AU" b="0" i="0" u="none" strike="noStrike" dirty="0">
+                <a:effectLst/>
+                <a:highlight>
+                  <a:srgbClr val="FFFF00"/>
+                </a:highlight>
+                <a:latin typeface="Lato"/>
+                <a:hlinkClick r:id="rId3"/>
+              </a:rPr>
+              <a:t>http://cran.rstudio.com/</a:t>
+            </a:r>
+            <a:r>
+              <a:rPr lang="en-AU" b="0" i="0" dirty="0">
+                <a:effectLst/>
+                <a:highlight>
+                  <a:srgbClr val="FFFF00"/>
+                </a:highlight>
+                <a:latin typeface="Lato"/>
+              </a:rPr>
+              <a:t> </a:t>
+            </a:r>
+            <a:endParaRPr lang="en-AU" dirty="0">
+              <a:highlight>
+                <a:srgbClr val="FFFF00"/>
+              </a:highlight>
+            </a:endParaRPr>
+          </a:p>
+          <a:p>
+            <a:endParaRPr lang="en-AU" dirty="0"/>
           </a:p>
         </p:txBody>
       </p:sp>
     </p:spTree>
     <p:extLst>
       <p:ext uri="{BB962C8B-B14F-4D97-AF65-F5344CB8AC3E}">
-        <p14:creationId xmlns:p14="http://schemas.microsoft.com/office/powerpoint/2010/main" val="4027768962"/>
+        <p14:creationId xmlns:p14="http://schemas.microsoft.com/office/powerpoint/2010/main" val="2622698831"/>
       </p:ext>
     </p:extLst>
   </p:cSld>
   <p:clrMapOvr>
-    <a:overrideClrMapping bg1="lt1" tx1="dk1" bg2="lt2" tx2="dk2" accent1="accent1" accent2="accent2" accent3="accent3" accent4="accent4" accent5="accent5" accent6="accent6" hlink="hlink" folHlink="folHlink"/>
+    <a:masterClrMapping/>
   </p:clrMapOvr>
 </p:sld>
 </file>
@@ -6599,8 +6971,12 @@
           <a:lstStyle/>
           <a:p>
             <a:r>
-              <a:rPr lang="en-AU" dirty="0"/>
-              <a:t>CODE, VARIABLE </a:t>
+              <a:rPr lang="en-AU" dirty="0">
+                <a:highlight>
+                  <a:srgbClr val="FFFF00"/>
+                </a:highlight>
+              </a:rPr>
+              <a:t>Interface</a:t>
             </a:r>
           </a:p>
         </p:txBody>
@@ -6626,7 +7002,11 @@
           <a:bodyPr/>
           <a:lstStyle/>
           <a:p>
-            <a:endParaRPr lang="en-AU"/>
+            <a:r>
+              <a:rPr lang="en-US" dirty="0"/>
+              <a:t>Screenshot of the IDE</a:t>
+            </a:r>
+            <a:endParaRPr lang="en-AU" dirty="0"/>
           </a:p>
         </p:txBody>
       </p:sp>
@@ -6668,6 +7048,486 @@
           <a:chExt cx="0" cy="0"/>
         </a:xfrm>
       </p:grpSpPr>
+      <p:pic>
+        <p:nvPicPr>
+          <p:cNvPr id="5" name="Picture 4" descr="Calendar on table">
+            <a:extLst>
+              <a:ext uri="{FF2B5EF4-FFF2-40B4-BE49-F238E27FC236}">
+                <a16:creationId xmlns:a16="http://schemas.microsoft.com/office/drawing/2014/main" id="{80AF7082-AFA9-4D90-9451-0FEE669DDFB0}"/>
+              </a:ext>
+            </a:extLst>
+          </p:cNvPr>
+          <p:cNvPicPr>
+            <a:picLocks noChangeAspect="1"/>
+          </p:cNvPicPr>
+          <p:nvPr/>
+        </p:nvPicPr>
+        <p:blipFill rotWithShape="1">
+          <a:blip r:embed="rId2">
+            <a:duotone>
+              <a:prstClr val="black"/>
+              <a:prstClr val="white"/>
+            </a:duotone>
+            <a:alphaModFix amt="35000"/>
+          </a:blip>
+          <a:srcRect b="15730"/>
+          <a:stretch/>
+        </p:blipFill>
+        <p:spPr>
+          <a:xfrm>
+            <a:off x="20" y="1"/>
+            <a:ext cx="12191980" cy="6857999"/>
+          </a:xfrm>
+          <a:prstGeom prst="rect">
+            <a:avLst/>
+          </a:prstGeom>
+        </p:spPr>
+      </p:pic>
+      <p:sp>
+        <p:nvSpPr>
+          <p:cNvPr id="16" name="Rectangle 15">
+            <a:extLst>
+              <a:ext uri="{FF2B5EF4-FFF2-40B4-BE49-F238E27FC236}">
+                <a16:creationId xmlns:a16="http://schemas.microsoft.com/office/drawing/2014/main" id="{FCEC2294-5A7B-45E5-9251-C1AA89F4ADCF}"/>
+              </a:ext>
+              <a:ext uri="{C183D7F6-B498-43B3-948B-1728B52AA6E4}">
+                <adec:decorative xmlns:adec="http://schemas.microsoft.com/office/drawing/2017/decorative" val="1"/>
+              </a:ext>
+            </a:extLst>
+          </p:cNvPr>
+          <p:cNvSpPr>
+            <a:spLocks noGrp="1" noRot="1" noChangeAspect="1" noMove="1" noResize="1" noEditPoints="1" noAdjustHandles="1" noChangeArrowheads="1" noChangeShapeType="1" noTextEdit="1"/>
+          </p:cNvSpPr>
+          <p:nvPr>
+            <p:extLst>
+              <p:ext uri="{386F3935-93C4-4BCD-93E2-E3B085C9AB24}">
+                <p16:designElem xmlns:p16="http://schemas.microsoft.com/office/powerpoint/2015/main" val="1"/>
+              </p:ext>
+            </p:extLst>
+          </p:nvPr>
+        </p:nvSpPr>
+        <p:spPr bwMode="ltGray">
+          <a:xfrm>
+            <a:off x="321564" y="320040"/>
+            <a:ext cx="11548872" cy="6217920"/>
+          </a:xfrm>
+          <a:prstGeom prst="rect">
+            <a:avLst/>
+          </a:prstGeom>
+          <a:solidFill>
+            <a:schemeClr val="bg2">
+              <a:alpha val="60000"/>
+            </a:schemeClr>
+          </a:solidFill>
+          <a:ln w="127000" cap="sq" cmpd="thinThick">
+            <a:noFill/>
+          </a:ln>
+        </p:spPr>
+        <p:style>
+          <a:lnRef idx="2">
+            <a:schemeClr val="accent1">
+              <a:shade val="50000"/>
+            </a:schemeClr>
+          </a:lnRef>
+          <a:fillRef idx="1">
+            <a:schemeClr val="accent1"/>
+          </a:fillRef>
+          <a:effectRef idx="0">
+            <a:schemeClr val="accent1"/>
+          </a:effectRef>
+          <a:fontRef idx="minor">
+            <a:schemeClr val="lt1"/>
+          </a:fontRef>
+        </p:style>
+        <p:txBody>
+          <a:bodyPr rtlCol="0" anchor="ctr"/>
+          <a:lstStyle/>
+          <a:p>
+            <a:pPr marL="0" marR="0" lvl="0" indent="0" algn="ctr" defTabSz="914400" rtl="0" eaLnBrk="1" fontAlgn="auto" latinLnBrk="0" hangingPunct="1">
+              <a:lnSpc>
+                <a:spcPct val="100000"/>
+              </a:lnSpc>
+              <a:spcBef>
+                <a:spcPts val="0"/>
+              </a:spcBef>
+              <a:spcAft>
+                <a:spcPts val="0"/>
+              </a:spcAft>
+              <a:buClrTx/>
+              <a:buSzTx/>
+              <a:buFontTx/>
+              <a:buNone/>
+              <a:tabLst/>
+              <a:defRPr/>
+            </a:pPr>
+            <a:endParaRPr kumimoji="0" lang="en-US" sz="1800" b="0" i="0" u="none" strike="noStrike" kern="1200" cap="none" spc="0" normalizeH="0" baseline="0" noProof="0">
+              <a:ln>
+                <a:noFill/>
+              </a:ln>
+              <a:solidFill>
+                <a:prstClr val="white"/>
+              </a:solidFill>
+              <a:effectLst/>
+              <a:uLnTx/>
+              <a:uFillTx/>
+              <a:latin typeface="Calibri" panose="020F0502020204030204"/>
+              <a:ea typeface="+mn-ea"/>
+              <a:cs typeface="+mn-cs"/>
+            </a:endParaRPr>
+          </a:p>
+        </p:txBody>
+      </p:sp>
+      <p:sp>
+        <p:nvSpPr>
+          <p:cNvPr id="2" name="Title 1">
+            <a:extLst>
+              <a:ext uri="{FF2B5EF4-FFF2-40B4-BE49-F238E27FC236}">
+                <a16:creationId xmlns:a16="http://schemas.microsoft.com/office/drawing/2014/main" id="{A0E41C33-2C2F-44DF-B694-88C4354C4785}"/>
+              </a:ext>
+            </a:extLst>
+          </p:cNvPr>
+          <p:cNvSpPr>
+            <a:spLocks noGrp="1"/>
+          </p:cNvSpPr>
+          <p:nvPr>
+            <p:ph type="title"/>
+          </p:nvPr>
+        </p:nvSpPr>
+        <p:spPr>
+          <a:xfrm>
+            <a:off x="838201" y="1065862"/>
+            <a:ext cx="3313164" cy="4726276"/>
+          </a:xfrm>
+        </p:spPr>
+        <p:txBody>
+          <a:bodyPr>
+            <a:normAutofit/>
+          </a:bodyPr>
+          <a:lstStyle/>
+          <a:p>
+            <a:pPr algn="r"/>
+            <a:r>
+              <a:rPr lang="en-AU" sz="4000" dirty="0"/>
+              <a:t>CREATE NEW PROJECT DIRECTORY</a:t>
+            </a:r>
+          </a:p>
+        </p:txBody>
+      </p:sp>
+      <p:cxnSp>
+        <p:nvCxnSpPr>
+          <p:cNvPr id="18" name="Straight Connector 17">
+            <a:extLst>
+              <a:ext uri="{FF2B5EF4-FFF2-40B4-BE49-F238E27FC236}">
+                <a16:creationId xmlns:a16="http://schemas.microsoft.com/office/drawing/2014/main" id="{67182200-4859-4C8D-BCBB-55B245C28BA3}"/>
+              </a:ext>
+              <a:ext uri="{C183D7F6-B498-43B3-948B-1728B52AA6E4}">
+                <adec:decorative xmlns:adec="http://schemas.microsoft.com/office/drawing/2017/decorative" val="1"/>
+              </a:ext>
+            </a:extLst>
+          </p:cNvPr>
+          <p:cNvCxnSpPr>
+            <a:cxnSpLocks noGrp="1" noRot="1" noChangeAspect="1" noMove="1" noResize="1" noEditPoints="1" noAdjustHandles="1" noChangeArrowheads="1" noChangeShapeType="1"/>
+          </p:cNvCxnSpPr>
+          <p:nvPr>
+            <p:extLst>
+              <p:ext uri="{386F3935-93C4-4BCD-93E2-E3B085C9AB24}">
+                <p16:designElem xmlns:p16="http://schemas.microsoft.com/office/powerpoint/2015/main" val="1"/>
+              </p:ext>
+            </p:extLst>
+          </p:nvPr>
+        </p:nvCxnSpPr>
+        <p:spPr>
+          <a:xfrm>
+            <a:off x="4653372" y="2286000"/>
+            <a:ext cx="0" cy="2286000"/>
+          </a:xfrm>
+          <a:prstGeom prst="line">
+            <a:avLst/>
+          </a:prstGeom>
+          <a:ln w="19050">
+            <a:solidFill>
+              <a:schemeClr val="tx1">
+                <a:lumMod val="85000"/>
+                <a:lumOff val="15000"/>
+              </a:schemeClr>
+            </a:solidFill>
+          </a:ln>
+        </p:spPr>
+        <p:style>
+          <a:lnRef idx="1">
+            <a:schemeClr val="accent1"/>
+          </a:lnRef>
+          <a:fillRef idx="0">
+            <a:schemeClr val="accent1"/>
+          </a:fillRef>
+          <a:effectRef idx="0">
+            <a:schemeClr val="accent1"/>
+          </a:effectRef>
+          <a:fontRef idx="minor">
+            <a:schemeClr val="tx1"/>
+          </a:fontRef>
+        </p:style>
+      </p:cxnSp>
+      <p:sp>
+        <p:nvSpPr>
+          <p:cNvPr id="3" name="Content Placeholder 2">
+            <a:extLst>
+              <a:ext uri="{FF2B5EF4-FFF2-40B4-BE49-F238E27FC236}">
+                <a16:creationId xmlns:a16="http://schemas.microsoft.com/office/drawing/2014/main" id="{44FABB31-CEB4-48C8-BFD8-728FB7A4C78D}"/>
+              </a:ext>
+            </a:extLst>
+          </p:cNvPr>
+          <p:cNvSpPr>
+            <a:spLocks noGrp="1"/>
+          </p:cNvSpPr>
+          <p:nvPr>
+            <p:ph idx="1"/>
+          </p:nvPr>
+        </p:nvSpPr>
+        <p:spPr>
+          <a:xfrm>
+            <a:off x="5155379" y="1065862"/>
+            <a:ext cx="6192319" cy="4726276"/>
+          </a:xfrm>
+        </p:spPr>
+        <p:txBody>
+          <a:bodyPr anchor="ctr">
+            <a:normAutofit/>
+          </a:bodyPr>
+          <a:lstStyle/>
+          <a:p>
+            <a:r>
+              <a:rPr lang="en-AU" sz="1900" dirty="0">
+                <a:highlight>
+                  <a:srgbClr val="FFFF00"/>
+                </a:highlight>
+              </a:rPr>
+              <a:t>Open RStudio.</a:t>
+            </a:r>
+          </a:p>
+          <a:p>
+            <a:r>
+              <a:rPr lang="en-US" sz="1900" dirty="0">
+                <a:highlight>
+                  <a:srgbClr val="FFFF00"/>
+                </a:highlight>
+              </a:rPr>
+              <a:t>Go to the File menu and select New Project.</a:t>
+            </a:r>
+          </a:p>
+          <a:p>
+            <a:r>
+              <a:rPr lang="en-US" sz="1900" dirty="0">
+                <a:highlight>
+                  <a:srgbClr val="FFFF00"/>
+                </a:highlight>
+              </a:rPr>
+              <a:t>In the New Project window, choose New Directory. Then, choose New Project. Name your new directory Intro-to-R and then “Create the project as subdirectory of:” the Desktop (or location of your choice).</a:t>
+            </a:r>
+          </a:p>
+          <a:p>
+            <a:r>
+              <a:rPr lang="en-US" sz="1900" dirty="0">
+                <a:highlight>
+                  <a:srgbClr val="FFFF00"/>
+                </a:highlight>
+              </a:rPr>
+              <a:t>Click on Create Project.</a:t>
+            </a:r>
+          </a:p>
+          <a:p>
+            <a:r>
+              <a:rPr lang="en-US" sz="1900" dirty="0">
+                <a:highlight>
+                  <a:srgbClr val="FFFF00"/>
+                </a:highlight>
+              </a:rPr>
+              <a:t>After your project is completed, if the project does not automatically open in RStudio, then go to the File menu, select Open Project, and choose Intro-to-R.R </a:t>
+            </a:r>
+            <a:r>
+              <a:rPr lang="en-US" sz="1900" dirty="0" err="1">
+                <a:highlight>
+                  <a:srgbClr val="FFFF00"/>
+                </a:highlight>
+              </a:rPr>
+              <a:t>proj</a:t>
+            </a:r>
+            <a:r>
+              <a:rPr lang="en-US" sz="1900" dirty="0">
+                <a:highlight>
+                  <a:srgbClr val="FFFF00"/>
+                </a:highlight>
+              </a:rPr>
+              <a:t>.</a:t>
+            </a:r>
+          </a:p>
+          <a:p>
+            <a:r>
+              <a:rPr lang="en-US" sz="1900" dirty="0">
+                <a:highlight>
+                  <a:srgbClr val="FFFF00"/>
+                </a:highlight>
+              </a:rPr>
+              <a:t>When RStudio opens, you will see three panels in the window.</a:t>
+            </a:r>
+          </a:p>
+          <a:p>
+            <a:r>
+              <a:rPr lang="en-US" sz="1900" dirty="0">
+                <a:highlight>
+                  <a:srgbClr val="FFFF00"/>
+                </a:highlight>
+              </a:rPr>
+              <a:t>Go to the File menu and select New File, and select R Script.</a:t>
+            </a:r>
+            <a:endParaRPr lang="en-AU" sz="1900" dirty="0">
+              <a:highlight>
+                <a:srgbClr val="FFFF00"/>
+              </a:highlight>
+            </a:endParaRPr>
+          </a:p>
+          <a:p>
+            <a:endParaRPr lang="en-AU" sz="1900" dirty="0"/>
+          </a:p>
+        </p:txBody>
+      </p:sp>
+    </p:spTree>
+    <p:extLst>
+      <p:ext uri="{BB962C8B-B14F-4D97-AF65-F5344CB8AC3E}">
+        <p14:creationId xmlns:p14="http://schemas.microsoft.com/office/powerpoint/2010/main" val="4027768962"/>
+      </p:ext>
+    </p:extLst>
+  </p:cSld>
+  <p:clrMapOvr>
+    <a:overrideClrMapping bg1="lt1" tx1="dk1" bg2="lt2" tx2="dk2" accent1="accent1" accent2="accent2" accent3="accent3" accent4="accent4" accent5="accent5" accent6="accent6" hlink="hlink" folHlink="folHlink"/>
+  </p:clrMapOvr>
+</p:sld>
+</file>
+
+<file path=ppt/slides/slide8.xml><?xml version="1.0" encoding="utf-8"?>
+<p:sld xmlns:a="http://schemas.openxmlformats.org/drawingml/2006/main" xmlns:r="http://schemas.openxmlformats.org/officeDocument/2006/relationships" xmlns:p="http://schemas.openxmlformats.org/presentationml/2006/main">
+  <p:cSld>
+    <p:spTree>
+      <p:nvGrpSpPr>
+        <p:cNvPr id="1" name=""/>
+        <p:cNvGrpSpPr/>
+        <p:nvPr/>
+      </p:nvGrpSpPr>
+      <p:grpSpPr>
+        <a:xfrm>
+          <a:off x="0" y="0"/>
+          <a:ext cx="0" cy="0"/>
+          <a:chOff x="0" y="0"/>
+          <a:chExt cx="0" cy="0"/>
+        </a:xfrm>
+      </p:grpSpPr>
+      <p:sp>
+        <p:nvSpPr>
+          <p:cNvPr id="2" name="Title 1">
+            <a:extLst>
+              <a:ext uri="{FF2B5EF4-FFF2-40B4-BE49-F238E27FC236}">
+                <a16:creationId xmlns:a16="http://schemas.microsoft.com/office/drawing/2014/main" id="{20D7F105-186B-4A53-B64C-1A721BDDD5BA}"/>
+              </a:ext>
+            </a:extLst>
+          </p:cNvPr>
+          <p:cNvSpPr>
+            <a:spLocks noGrp="1"/>
+          </p:cNvSpPr>
+          <p:nvPr>
+            <p:ph type="title"/>
+          </p:nvPr>
+        </p:nvSpPr>
+        <p:spPr/>
+        <p:txBody>
+          <a:bodyPr/>
+          <a:lstStyle/>
+          <a:p>
+            <a:r>
+              <a:rPr lang="en-AU" dirty="0"/>
+              <a:t>CODE, VARIABLE </a:t>
+            </a:r>
+          </a:p>
+        </p:txBody>
+      </p:sp>
+      <p:sp>
+        <p:nvSpPr>
+          <p:cNvPr id="3" name="Content Placeholder 2">
+            <a:extLst>
+              <a:ext uri="{FF2B5EF4-FFF2-40B4-BE49-F238E27FC236}">
+                <a16:creationId xmlns:a16="http://schemas.microsoft.com/office/drawing/2014/main" id="{E826A529-E863-4110-AC11-F87E12564C87}"/>
+              </a:ext>
+            </a:extLst>
+          </p:cNvPr>
+          <p:cNvSpPr>
+            <a:spLocks noGrp="1"/>
+          </p:cNvSpPr>
+          <p:nvPr>
+            <p:ph idx="1"/>
+          </p:nvPr>
+        </p:nvSpPr>
+        <p:spPr/>
+        <p:txBody>
+          <a:bodyPr/>
+          <a:lstStyle/>
+          <a:p>
+            <a:r>
+              <a:rPr lang="en-US" dirty="0"/>
+              <a:t>How to create a file – </a:t>
+            </a:r>
+          </a:p>
+          <a:p>
+            <a:r>
+              <a:rPr lang="en-US" dirty="0"/>
+              <a:t>how to run code</a:t>
+            </a:r>
+          </a:p>
+          <a:p>
+            <a:r>
+              <a:rPr lang="en-US" dirty="0"/>
+              <a:t>You are awesome</a:t>
+            </a:r>
+            <a:endParaRPr lang="en-AU" dirty="0"/>
+          </a:p>
+        </p:txBody>
+      </p:sp>
+    </p:spTree>
+    <p:extLst>
+      <p:ext uri="{BB962C8B-B14F-4D97-AF65-F5344CB8AC3E}">
+        <p14:creationId xmlns:p14="http://schemas.microsoft.com/office/powerpoint/2010/main" val="1642648485"/>
+      </p:ext>
+    </p:extLst>
+  </p:cSld>
+  <p:clrMapOvr>
+    <a:masterClrMapping/>
+  </p:clrMapOvr>
+</p:sld>
+</file>
+
+<file path=ppt/slides/slide9.xml><?xml version="1.0" encoding="utf-8"?>
+<p:sld xmlns:a="http://schemas.openxmlformats.org/drawingml/2006/main" xmlns:r="http://schemas.openxmlformats.org/officeDocument/2006/relationships" xmlns:p="http://schemas.openxmlformats.org/presentationml/2006/main">
+  <p:cSld>
+    <p:bg>
+      <p:bgPr>
+        <a:solidFill>
+          <a:schemeClr val="bg1"/>
+        </a:solidFill>
+        <a:effectLst/>
+      </p:bgPr>
+    </p:bg>
+    <p:spTree>
+      <p:nvGrpSpPr>
+        <p:cNvPr id="1" name=""/>
+        <p:cNvGrpSpPr/>
+        <p:nvPr/>
+      </p:nvGrpSpPr>
+      <p:grpSpPr>
+        <a:xfrm>
+          <a:off x="0" y="0"/>
+          <a:ext cx="0" cy="0"/>
+          <a:chOff x="0" y="0"/>
+          <a:chExt cx="0" cy="0"/>
+        </a:xfrm>
+      </p:grpSpPr>
       <p:sp useBgFill="1">
         <p:nvSpPr>
           <p:cNvPr id="8" name="Rectangle 7">
@@ -6913,20 +7773,36 @@
           <a:lstStyle/>
           <a:p>
             <a:r>
+              <a:rPr lang="en-AU" dirty="0">
+                <a:highlight>
+                  <a:srgbClr val="FFFF00"/>
+                </a:highlight>
+              </a:rPr>
+              <a:t>It is an authorizing framework of R that enables the user to generate interactive reports.</a:t>
+            </a:r>
+          </a:p>
+          <a:p>
+            <a:r>
+              <a:rPr lang="en-AU" dirty="0">
+                <a:highlight>
+                  <a:srgbClr val="FFFF00"/>
+                </a:highlight>
+              </a:rPr>
+              <a:t>User can write, save and execute the code in HTML, PDF and Word format.</a:t>
+            </a:r>
+          </a:p>
+          <a:p>
+            <a:r>
+              <a:rPr lang="en-AU" dirty="0">
+                <a:highlight>
+                  <a:srgbClr val="FFFF00"/>
+                </a:highlight>
+              </a:rPr>
+              <a:t>These can be shared easily with large audience and allows to understand the report quickly</a:t>
+            </a:r>
+            <a:r>
               <a:rPr lang="en-AU" dirty="0"/>
-              <a:t>It is an authorizing framework of R that enables the user to generate interactive reports.</a:t>
-            </a:r>
-          </a:p>
-          <a:p>
-            <a:r>
-              <a:rPr lang="en-AU" dirty="0"/>
-              <a:t>User can write, save and execute the code in HTML, PDF and Word format.</a:t>
-            </a:r>
-          </a:p>
-          <a:p>
-            <a:r>
-              <a:rPr lang="en-AU" dirty="0"/>
-              <a:t>These can be shared easily with large audience and allows to understand the report quickly.</a:t>
+              <a:t>.</a:t>
             </a:r>
           </a:p>
         </p:txBody>
@@ -7639,196 +8515,6 @@
     <p:extLst>
       <p:ext uri="{BB962C8B-B14F-4D97-AF65-F5344CB8AC3E}">
         <p14:creationId xmlns:p14="http://schemas.microsoft.com/office/powerpoint/2010/main" val="618065032"/>
-      </p:ext>
-    </p:extLst>
-  </p:cSld>
-  <p:clrMapOvr>
-    <a:masterClrMapping/>
-  </p:clrMapOvr>
-</p:sld>
-</file>
-
-<file path=ppt/slides/slide8.xml><?xml version="1.0" encoding="utf-8"?>
-<p:sld xmlns:a="http://schemas.openxmlformats.org/drawingml/2006/main" xmlns:r="http://schemas.openxmlformats.org/officeDocument/2006/relationships" xmlns:p="http://schemas.openxmlformats.org/presentationml/2006/main">
-  <p:cSld>
-    <p:spTree>
-      <p:nvGrpSpPr>
-        <p:cNvPr id="1" name=""/>
-        <p:cNvGrpSpPr/>
-        <p:nvPr/>
-      </p:nvGrpSpPr>
-      <p:grpSpPr>
-        <a:xfrm>
-          <a:off x="0" y="0"/>
-          <a:ext cx="0" cy="0"/>
-          <a:chOff x="0" y="0"/>
-          <a:chExt cx="0" cy="0"/>
-        </a:xfrm>
-      </p:grpSpPr>
-      <p:sp>
-        <p:nvSpPr>
-          <p:cNvPr id="2" name="Title 1">
-            <a:extLst>
-              <a:ext uri="{FF2B5EF4-FFF2-40B4-BE49-F238E27FC236}">
-                <a16:creationId xmlns:a16="http://schemas.microsoft.com/office/drawing/2014/main" id="{D5467A61-36B1-46F9-A231-636B2EE7FCC9}"/>
-              </a:ext>
-            </a:extLst>
-          </p:cNvPr>
-          <p:cNvSpPr>
-            <a:spLocks noGrp="1"/>
-          </p:cNvSpPr>
-          <p:nvPr>
-            <p:ph type="title"/>
-          </p:nvPr>
-        </p:nvSpPr>
-        <p:spPr/>
-        <p:txBody>
-          <a:bodyPr/>
-          <a:lstStyle/>
-          <a:p>
-            <a:r>
-              <a:rPr lang="en-AU" dirty="0"/>
-              <a:t>DATA WRANGLING</a:t>
-            </a:r>
-          </a:p>
-        </p:txBody>
-      </p:sp>
-      <p:sp>
-        <p:nvSpPr>
-          <p:cNvPr id="3" name="Content Placeholder 2">
-            <a:extLst>
-              <a:ext uri="{FF2B5EF4-FFF2-40B4-BE49-F238E27FC236}">
-                <a16:creationId xmlns:a16="http://schemas.microsoft.com/office/drawing/2014/main" id="{2561F87D-631B-475A-9CC7-C838C826BC5B}"/>
-              </a:ext>
-            </a:extLst>
-          </p:cNvPr>
-          <p:cNvSpPr>
-            <a:spLocks noGrp="1"/>
-          </p:cNvSpPr>
-          <p:nvPr>
-            <p:ph idx="1"/>
-          </p:nvPr>
-        </p:nvSpPr>
-        <p:spPr/>
-        <p:txBody>
-          <a:bodyPr/>
-          <a:lstStyle/>
-          <a:p>
-            <a:r>
-              <a:rPr lang="en-AU" dirty="0"/>
-              <a:t>A process where raw data is made tidy to used and process further.</a:t>
-            </a:r>
-          </a:p>
-          <a:p>
-            <a:r>
-              <a:rPr lang="en-AU" dirty="0"/>
-              <a:t>R provides many libraries to do so.</a:t>
-            </a:r>
-          </a:p>
-          <a:p>
-            <a:r>
-              <a:rPr lang="en-AU" dirty="0"/>
-              <a:t>Some libraries are – ggplot2, Tidyverse etc.</a:t>
-            </a:r>
-          </a:p>
-        </p:txBody>
-      </p:sp>
-    </p:spTree>
-    <p:extLst>
-      <p:ext uri="{BB962C8B-B14F-4D97-AF65-F5344CB8AC3E}">
-        <p14:creationId xmlns:p14="http://schemas.microsoft.com/office/powerpoint/2010/main" val="429258865"/>
-      </p:ext>
-    </p:extLst>
-  </p:cSld>
-  <p:clrMapOvr>
-    <a:masterClrMapping/>
-  </p:clrMapOvr>
-</p:sld>
-</file>
-
-<file path=ppt/slides/slide9.xml><?xml version="1.0" encoding="utf-8"?>
-<p:sld xmlns:a="http://schemas.openxmlformats.org/drawingml/2006/main" xmlns:r="http://schemas.openxmlformats.org/officeDocument/2006/relationships" xmlns:p="http://schemas.openxmlformats.org/presentationml/2006/main">
-  <p:cSld>
-    <p:spTree>
-      <p:nvGrpSpPr>
-        <p:cNvPr id="1" name=""/>
-        <p:cNvGrpSpPr/>
-        <p:nvPr/>
-      </p:nvGrpSpPr>
-      <p:grpSpPr>
-        <a:xfrm>
-          <a:off x="0" y="0"/>
-          <a:ext cx="0" cy="0"/>
-          <a:chOff x="0" y="0"/>
-          <a:chExt cx="0" cy="0"/>
-        </a:xfrm>
-      </p:grpSpPr>
-      <p:sp>
-        <p:nvSpPr>
-          <p:cNvPr id="2" name="Title 1">
-            <a:extLst>
-              <a:ext uri="{FF2B5EF4-FFF2-40B4-BE49-F238E27FC236}">
-                <a16:creationId xmlns:a16="http://schemas.microsoft.com/office/drawing/2014/main" id="{041AABD7-84D2-4BB0-9732-5019991104BA}"/>
-              </a:ext>
-            </a:extLst>
-          </p:cNvPr>
-          <p:cNvSpPr>
-            <a:spLocks noGrp="1"/>
-          </p:cNvSpPr>
-          <p:nvPr>
-            <p:ph type="title"/>
-          </p:nvPr>
-        </p:nvSpPr>
-        <p:spPr/>
-        <p:txBody>
-          <a:bodyPr/>
-          <a:lstStyle/>
-          <a:p>
-            <a:r>
-              <a:rPr lang="en-AU" dirty="0"/>
-              <a:t>DATA WRANGLING LIBRARIES </a:t>
-            </a:r>
-          </a:p>
-        </p:txBody>
-      </p:sp>
-      <p:sp>
-        <p:nvSpPr>
-          <p:cNvPr id="3" name="Content Placeholder 2">
-            <a:extLst>
-              <a:ext uri="{FF2B5EF4-FFF2-40B4-BE49-F238E27FC236}">
-                <a16:creationId xmlns:a16="http://schemas.microsoft.com/office/drawing/2014/main" id="{CA4BAF51-92B0-4A15-B47D-55D5CCD3C7A5}"/>
-              </a:ext>
-            </a:extLst>
-          </p:cNvPr>
-          <p:cNvSpPr>
-            <a:spLocks noGrp="1"/>
-          </p:cNvSpPr>
-          <p:nvPr>
-            <p:ph idx="1"/>
-          </p:nvPr>
-        </p:nvSpPr>
-        <p:spPr/>
-        <p:txBody>
-          <a:bodyPr/>
-          <a:lstStyle/>
-          <a:p>
-            <a:r>
-              <a:rPr lang="en-AU" dirty="0"/>
-              <a:t>Ggplot2 – It enables user to tidy the data, plot graphs and charts and present to audience.</a:t>
-            </a:r>
-          </a:p>
-          <a:p>
-            <a:r>
-              <a:rPr lang="en-AU" dirty="0"/>
-              <a:t>Tidyverse – It is the vast library in R that ensures all the requirements of data wrangling, analysis.</a:t>
-            </a:r>
-          </a:p>
-        </p:txBody>
-      </p:sp>
-    </p:spTree>
-    <p:extLst>
-      <p:ext uri="{BB962C8B-B14F-4D97-AF65-F5344CB8AC3E}">
-        <p14:creationId xmlns:p14="http://schemas.microsoft.com/office/powerpoint/2010/main" val="3720138436"/>
       </p:ext>
     </p:extLst>
   </p:cSld>
